--- a/HotelManagementBookingSystem_ppt.pptx
+++ b/HotelManagementBookingSystem_ppt.pptx
@@ -8,13 +8,13 @@
     <p:sldId id="256" r:id="rId2"/>
     <p:sldId id="257" r:id="rId3"/>
     <p:sldId id="258" r:id="rId4"/>
-    <p:sldId id="260" r:id="rId5"/>
-    <p:sldId id="262" r:id="rId6"/>
+    <p:sldId id="262" r:id="rId5"/>
+    <p:sldId id="286" r:id="rId6"/>
     <p:sldId id="274" r:id="rId7"/>
     <p:sldId id="263" r:id="rId8"/>
-    <p:sldId id="281" r:id="rId9"/>
-    <p:sldId id="264" r:id="rId10"/>
-    <p:sldId id="275" r:id="rId11"/>
+    <p:sldId id="264" r:id="rId9"/>
+    <p:sldId id="288" r:id="rId10"/>
+    <p:sldId id="287" r:id="rId11"/>
     <p:sldId id="267" r:id="rId12"/>
     <p:sldId id="273" r:id="rId13"/>
     <p:sldId id="268" r:id="rId14"/>
@@ -23,9 +23,6 @@
     <p:sldId id="282" r:id="rId17"/>
     <p:sldId id="276" r:id="rId18"/>
     <p:sldId id="284" r:id="rId19"/>
-    <p:sldId id="280" r:id="rId20"/>
-    <p:sldId id="283" r:id="rId21"/>
-    <p:sldId id="272" r:id="rId22"/>
   </p:sldIdLst>
   <p:sldSz cx="9144000" cy="6858000" type="screen4x3"/>
   <p:notesSz cx="6858000" cy="9144000"/>
@@ -124,6 +121,22 @@
       </a:defRPr>
     </a:lvl9pPr>
   </p:defaultTextStyle>
+  <p:extLst>
+    <p:ext uri="{EFAFB233-063F-42B5-8137-9DF3F51BA10A}">
+      <p15:sldGuideLst xmlns:p15="http://schemas.microsoft.com/office/powerpoint/2012/main">
+        <p15:guide id="1" orient="horz" pos="2160">
+          <p15:clr>
+            <a:srgbClr val="A4A3A4"/>
+          </p15:clr>
+        </p15:guide>
+        <p15:guide id="2" pos="2880">
+          <p15:clr>
+            <a:srgbClr val="A4A3A4"/>
+          </p15:clr>
+        </p15:guide>
+      </p15:sldGuideLst>
+    </p:ext>
+  </p:extLst>
 </p:presentation>
 </file>
 
@@ -408,7 +421,7 @@
             <a:fld id="{1D8BD707-D9CF-40AE-B4C6-C98DA3205C09}" type="datetimeFigureOut">
               <a:rPr lang="en-US" smtClean="0"/>
               <a:pPr/>
-              <a:t>10/11/2017</a:t>
+              <a:t>12/20/2017</a:t>
             </a:fld>
             <a:endParaRPr lang="en-US"/>
           </a:p>
@@ -803,7 +816,7 @@
             <a:fld id="{1D8BD707-D9CF-40AE-B4C6-C98DA3205C09}" type="datetimeFigureOut">
               <a:rPr lang="en-US" smtClean="0"/>
               <a:pPr/>
-              <a:t>10/11/2017</a:t>
+              <a:t>12/20/2017</a:t>
             </a:fld>
             <a:endParaRPr lang="en-US"/>
           </a:p>
@@ -1338,7 +1351,7 @@
             <a:fld id="{1D8BD707-D9CF-40AE-B4C6-C98DA3205C09}" type="datetimeFigureOut">
               <a:rPr lang="en-US" smtClean="0"/>
               <a:pPr/>
-              <a:t>10/11/2017</a:t>
+              <a:t>12/20/2017</a:t>
             </a:fld>
             <a:endParaRPr lang="en-US"/>
           </a:p>
@@ -1472,7 +1485,7 @@
             <a:fld id="{1D8BD707-D9CF-40AE-B4C6-C98DA3205C09}" type="datetimeFigureOut">
               <a:rPr lang="en-US" smtClean="0"/>
               <a:pPr/>
-              <a:t>10/11/2017</a:t>
+              <a:t>12/20/2017</a:t>
             </a:fld>
             <a:endParaRPr lang="en-US"/>
           </a:p>
@@ -2017,7 +2030,7 @@
             <a:fld id="{1D8BD707-D9CF-40AE-B4C6-C98DA3205C09}" type="datetimeFigureOut">
               <a:rPr lang="en-US" smtClean="0"/>
               <a:pPr/>
-              <a:t>10/11/2017</a:t>
+              <a:t>12/20/2017</a:t>
             </a:fld>
             <a:endParaRPr lang="en-US"/>
           </a:p>
@@ -2314,7 +2327,7 @@
             <a:fld id="{1D8BD707-D9CF-40AE-B4C6-C98DA3205C09}" type="datetimeFigureOut">
               <a:rPr lang="en-US" smtClean="0"/>
               <a:pPr/>
-              <a:t>10/11/2017</a:t>
+              <a:t>12/20/2017</a:t>
             </a:fld>
             <a:endParaRPr lang="en-US"/>
           </a:p>
@@ -2975,7 +2988,7 @@
             <a:fld id="{1D8BD707-D9CF-40AE-B4C6-C98DA3205C09}" type="datetimeFigureOut">
               <a:rPr lang="en-US" smtClean="0"/>
               <a:pPr/>
-              <a:t>10/11/2017</a:t>
+              <a:t>12/20/2017</a:t>
             </a:fld>
             <a:endParaRPr lang="en-US"/>
           </a:p>
@@ -3413,7 +3426,7 @@
             <a:fld id="{1D8BD707-D9CF-40AE-B4C6-C98DA3205C09}" type="datetimeFigureOut">
               <a:rPr lang="en-US" smtClean="0"/>
               <a:pPr/>
-              <a:t>10/11/2017</a:t>
+              <a:t>12/20/2017</a:t>
             </a:fld>
             <a:endParaRPr lang="en-US"/>
           </a:p>
@@ -3728,7 +3741,7 @@
             <a:fld id="{1D8BD707-D9CF-40AE-B4C6-C98DA3205C09}" type="datetimeFigureOut">
               <a:rPr lang="en-US" smtClean="0"/>
               <a:pPr/>
-              <a:t>10/11/2017</a:t>
+              <a:t>12/20/2017</a:t>
             </a:fld>
             <a:endParaRPr lang="en-US"/>
           </a:p>
@@ -4463,7 +4476,7 @@
             <a:fld id="{1D8BD707-D9CF-40AE-B4C6-C98DA3205C09}" type="datetimeFigureOut">
               <a:rPr lang="en-US" smtClean="0"/>
               <a:pPr/>
-              <a:t>10/11/2017</a:t>
+              <a:t>12/20/2017</a:t>
             </a:fld>
             <a:endParaRPr lang="en-US"/>
           </a:p>
@@ -5129,7 +5142,7 @@
             <a:fld id="{1D8BD707-D9CF-40AE-B4C6-C98DA3205C09}" type="datetimeFigureOut">
               <a:rPr lang="en-US" smtClean="0"/>
               <a:pPr/>
-              <a:t>10/11/2017</a:t>
+              <a:t>12/20/2017</a:t>
             </a:fld>
             <a:endParaRPr lang="en-US"/>
           </a:p>
@@ -5403,7 +5416,7 @@
             <a:fld id="{1D8BD707-D9CF-40AE-B4C6-C98DA3205C09}" type="datetimeFigureOut">
               <a:rPr lang="en-US" smtClean="0"/>
               <a:pPr/>
-              <a:t>10/11/2017</a:t>
+              <a:t>12/20/2017</a:t>
             </a:fld>
             <a:endParaRPr lang="en-US"/>
           </a:p>
@@ -6089,7 +6102,7 @@
         </p:nvSpPr>
         <p:spPr>
           <a:xfrm>
-            <a:off x="5105400" y="4876800"/>
+            <a:off x="5113361" y="4019550"/>
             <a:ext cx="3733800" cy="1752600"/>
           </a:xfrm>
           <a:effectLst>
@@ -6103,254 +6116,216 @@
         </p:spPr>
         <p:txBody>
           <a:bodyPr>
-            <a:normAutofit fontScale="92500"/>
+            <a:noAutofit/>
           </a:bodyPr>
           <a:lstStyle/>
           <a:p>
-            <a:r>
-              <a:rPr lang="en-US" i="1" dirty="0" smtClean="0">
+            <a:pPr algn="r"/>
+            <a:r>
+              <a:rPr lang="en-US" sz="1800" dirty="0" smtClean="0">
                 <a:solidFill>
-                  <a:srgbClr val="0070C0"/>
+                  <a:schemeClr val="accent5">
+                    <a:lumMod val="50000"/>
+                  </a:schemeClr>
                 </a:solidFill>
-                <a:latin typeface="Comic Sans MS" pitchFamily="66" charset="0"/>
-                <a:ea typeface="Batang" pitchFamily="18" charset="-127"/>
-                <a:cs typeface="Calibri" pitchFamily="34" charset="0"/>
+                <a:latin typeface="Arial Rounded MT Bold" panose="020F0704030504030204" pitchFamily="34" charset="0"/>
+                <a:cs typeface="Times New Roman" panose="02020603050405020304" pitchFamily="18" charset="0"/>
               </a:rPr>
-              <a:t>Prepared by-</a:t>
-            </a:r>
-          </a:p>
-          <a:p>
-            <a:r>
-              <a:rPr lang="en-US" i="1" dirty="0" err="1" smtClean="0">
+              <a:t>Group 4:</a:t>
+            </a:r>
+          </a:p>
+          <a:p>
+            <a:pPr algn="r"/>
+            <a:r>
+              <a:rPr lang="en-US" sz="1800" dirty="0" err="1" smtClean="0">
                 <a:solidFill>
-                  <a:srgbClr val="0070C0"/>
+                  <a:schemeClr val="accent5">
+                    <a:lumMod val="50000"/>
+                  </a:schemeClr>
                 </a:solidFill>
-                <a:latin typeface="Comic Sans MS" pitchFamily="66" charset="0"/>
-                <a:ea typeface="Batang" pitchFamily="18" charset="-127"/>
-                <a:cs typeface="Calibri" pitchFamily="34" charset="0"/>
+                <a:latin typeface="Arial Rounded MT Bold" panose="020F0704030504030204" pitchFamily="34" charset="0"/>
+                <a:cs typeface="Times New Roman" panose="02020603050405020304" pitchFamily="18" charset="0"/>
+              </a:rPr>
+              <a:t>Veena</a:t>
+            </a:r>
+            <a:r>
+              <a:rPr lang="en-US" sz="1800" dirty="0" smtClean="0">
+                <a:solidFill>
+                  <a:schemeClr val="accent5">
+                    <a:lumMod val="50000"/>
+                  </a:schemeClr>
+                </a:solidFill>
+                <a:latin typeface="Arial Rounded MT Bold" panose="020F0704030504030204" pitchFamily="34" charset="0"/>
+                <a:cs typeface="Times New Roman" panose="02020603050405020304" pitchFamily="18" charset="0"/>
+              </a:rPr>
+              <a:t> 140193</a:t>
+            </a:r>
+          </a:p>
+          <a:p>
+            <a:pPr algn="r"/>
+            <a:r>
+              <a:rPr lang="en-US" sz="1800" dirty="0" err="1" smtClean="0">
+                <a:solidFill>
+                  <a:schemeClr val="accent5">
+                    <a:lumMod val="50000"/>
+                  </a:schemeClr>
+                </a:solidFill>
+                <a:latin typeface="Arial Rounded MT Bold" panose="020F0704030504030204" pitchFamily="34" charset="0"/>
+                <a:cs typeface="Times New Roman" panose="02020603050405020304" pitchFamily="18" charset="0"/>
+              </a:rPr>
+              <a:t>Jayapratap</a:t>
+            </a:r>
+            <a:r>
+              <a:rPr lang="en-US" sz="1800" dirty="0" smtClean="0">
+                <a:solidFill>
+                  <a:schemeClr val="accent5">
+                    <a:lumMod val="50000"/>
+                  </a:schemeClr>
+                </a:solidFill>
+                <a:latin typeface="Arial Rounded MT Bold" panose="020F0704030504030204" pitchFamily="34" charset="0"/>
+                <a:cs typeface="Times New Roman" panose="02020603050405020304" pitchFamily="18" charset="0"/>
+              </a:rPr>
+              <a:t> 140195</a:t>
+            </a:r>
+          </a:p>
+          <a:p>
+            <a:pPr algn="r"/>
+            <a:r>
+              <a:rPr lang="en-US" sz="1800" dirty="0" err="1" smtClean="0">
+                <a:solidFill>
+                  <a:schemeClr val="accent5">
+                    <a:lumMod val="50000"/>
+                  </a:schemeClr>
+                </a:solidFill>
+                <a:latin typeface="Arial Rounded MT Bold" panose="020F0704030504030204" pitchFamily="34" charset="0"/>
+                <a:cs typeface="Times New Roman" panose="02020603050405020304" pitchFamily="18" charset="0"/>
+              </a:rPr>
+              <a:t>Praveena</a:t>
+            </a:r>
+            <a:r>
+              <a:rPr lang="en-US" sz="1800" dirty="0" smtClean="0">
+                <a:solidFill>
+                  <a:schemeClr val="accent5">
+                    <a:lumMod val="50000"/>
+                  </a:schemeClr>
+                </a:solidFill>
+                <a:latin typeface="Arial Rounded MT Bold" panose="020F0704030504030204" pitchFamily="34" charset="0"/>
+                <a:cs typeface="Times New Roman" panose="02020603050405020304" pitchFamily="18" charset="0"/>
+              </a:rPr>
+              <a:t> 140192</a:t>
+            </a:r>
+          </a:p>
+          <a:p>
+            <a:pPr algn="r"/>
+            <a:r>
+              <a:rPr lang="en-US" sz="1800" dirty="0" err="1" smtClean="0">
+                <a:solidFill>
+                  <a:schemeClr val="accent5">
+                    <a:lumMod val="50000"/>
+                  </a:schemeClr>
+                </a:solidFill>
+                <a:latin typeface="Arial Rounded MT Bold" panose="020F0704030504030204" pitchFamily="34" charset="0"/>
+                <a:cs typeface="Times New Roman" panose="02020603050405020304" pitchFamily="18" charset="0"/>
+              </a:rPr>
+              <a:t>Akhil</a:t>
+            </a:r>
+            <a:r>
+              <a:rPr lang="en-US" sz="1800" dirty="0" smtClean="0">
+                <a:solidFill>
+                  <a:schemeClr val="accent5">
+                    <a:lumMod val="50000"/>
+                  </a:schemeClr>
+                </a:solidFill>
+                <a:latin typeface="Arial Rounded MT Bold" panose="020F0704030504030204" pitchFamily="34" charset="0"/>
+                <a:cs typeface="Times New Roman" panose="02020603050405020304" pitchFamily="18" charset="0"/>
+              </a:rPr>
+              <a:t> 140206</a:t>
+            </a:r>
+          </a:p>
+          <a:p>
+            <a:pPr algn="r"/>
+            <a:r>
+              <a:rPr lang="en-US" sz="1800" dirty="0" err="1" smtClean="0">
+                <a:solidFill>
+                  <a:schemeClr val="accent5">
+                    <a:lumMod val="50000"/>
+                  </a:schemeClr>
+                </a:solidFill>
+                <a:latin typeface="Arial Rounded MT Bold" panose="020F0704030504030204" pitchFamily="34" charset="0"/>
+                <a:cs typeface="Times New Roman" panose="02020603050405020304" pitchFamily="18" charset="0"/>
               </a:rPr>
               <a:t>Sai</a:t>
             </a:r>
             <a:r>
-              <a:rPr lang="en-US" i="1" dirty="0" smtClean="0">
+              <a:rPr lang="en-US" sz="1800" dirty="0" smtClean="0">
                 <a:solidFill>
-                  <a:srgbClr val="0070C0"/>
+                  <a:schemeClr val="accent5">
+                    <a:lumMod val="50000"/>
+                  </a:schemeClr>
                 </a:solidFill>
-                <a:latin typeface="Comic Sans MS" pitchFamily="66" charset="0"/>
-                <a:ea typeface="Batang" pitchFamily="18" charset="-127"/>
-                <a:cs typeface="Calibri" pitchFamily="34" charset="0"/>
+                <a:latin typeface="Arial Rounded MT Bold" panose="020F0704030504030204" pitchFamily="34" charset="0"/>
+                <a:cs typeface="Times New Roman" panose="02020603050405020304" pitchFamily="18" charset="0"/>
               </a:rPr>
               <a:t> </a:t>
             </a:r>
             <a:r>
-              <a:rPr lang="en-US" i="1" dirty="0" smtClean="0">
+              <a:rPr lang="en-US" sz="1800" dirty="0" err="1" smtClean="0">
                 <a:solidFill>
-                  <a:srgbClr val="0070C0"/>
+                  <a:schemeClr val="accent5">
+                    <a:lumMod val="50000"/>
+                  </a:schemeClr>
                 </a:solidFill>
-                <a:latin typeface="Comic Sans MS" pitchFamily="66" charset="0"/>
-                <a:ea typeface="Batang" pitchFamily="18" charset="-127"/>
-                <a:cs typeface="Calibri" pitchFamily="34" charset="0"/>
+                <a:latin typeface="Arial Rounded MT Bold" panose="020F0704030504030204" pitchFamily="34" charset="0"/>
+                <a:cs typeface="Times New Roman" panose="02020603050405020304" pitchFamily="18" charset="0"/>
               </a:rPr>
-              <a:t>Kumar- </a:t>
-            </a:r>
-            <a:r>
-              <a:rPr lang="en-US" i="1" dirty="0" smtClean="0">
+              <a:t>chand</a:t>
+            </a:r>
+            <a:r>
+              <a:rPr lang="en-US" sz="1800" dirty="0" smtClean="0">
                 <a:solidFill>
-                  <a:srgbClr val="0070C0"/>
+                  <a:schemeClr val="accent5">
+                    <a:lumMod val="50000"/>
+                  </a:schemeClr>
                 </a:solidFill>
-                <a:latin typeface="Comic Sans MS" pitchFamily="66" charset="0"/>
-                <a:ea typeface="Batang" pitchFamily="18" charset="-127"/>
-                <a:cs typeface="Calibri" pitchFamily="34" charset="0"/>
+                <a:latin typeface="Arial Rounded MT Bold" panose="020F0704030504030204" pitchFamily="34" charset="0"/>
+                <a:cs typeface="Times New Roman" panose="02020603050405020304" pitchFamily="18" charset="0"/>
               </a:rPr>
-              <a:t>133281_IN</a:t>
-            </a:r>
-          </a:p>
-          <a:p>
-            <a:r>
-              <a:rPr lang="en-US" i="1" dirty="0" smtClean="0">
+              <a:t> 140203</a:t>
+            </a:r>
+          </a:p>
+          <a:p>
+            <a:pPr algn="r"/>
+            <a:r>
+              <a:rPr lang="en-US" sz="1800" dirty="0" err="1" smtClean="0">
                 <a:solidFill>
-                  <a:srgbClr val="0070C0"/>
+                  <a:schemeClr val="accent5">
+                    <a:lumMod val="50000"/>
+                  </a:schemeClr>
                 </a:solidFill>
-                <a:latin typeface="Comic Sans MS" pitchFamily="66" charset="0"/>
-                <a:ea typeface="Batang" pitchFamily="18" charset="-127"/>
-                <a:cs typeface="Calibri" pitchFamily="34" charset="0"/>
+                <a:latin typeface="Arial Rounded MT Bold" panose="020F0704030504030204" pitchFamily="34" charset="0"/>
+                <a:cs typeface="Times New Roman" panose="02020603050405020304" pitchFamily="18" charset="0"/>
               </a:rPr>
-              <a:t>  </a:t>
-            </a:r>
-            <a:r>
-              <a:rPr lang="en-US" i="1" dirty="0" err="1" smtClean="0">
+              <a:t>Rohith</a:t>
+            </a:r>
+            <a:r>
+              <a:rPr lang="en-US" sz="1800" dirty="0" smtClean="0">
                 <a:solidFill>
-                  <a:srgbClr val="0070C0"/>
+                  <a:schemeClr val="accent5">
+                    <a:lumMod val="50000"/>
+                  </a:schemeClr>
                 </a:solidFill>
-                <a:latin typeface="Comic Sans MS" pitchFamily="66" charset="0"/>
-                <a:ea typeface="Batang" pitchFamily="18" charset="-127"/>
-                <a:cs typeface="Calibri" pitchFamily="34" charset="0"/>
+                <a:latin typeface="Arial Rounded MT Bold" panose="020F0704030504030204" pitchFamily="34" charset="0"/>
+                <a:cs typeface="Times New Roman" panose="02020603050405020304" pitchFamily="18" charset="0"/>
               </a:rPr>
-              <a:t>Sai</a:t>
-            </a:r>
-            <a:r>
-              <a:rPr lang="en-US" i="1" dirty="0" smtClean="0">
-                <a:solidFill>
-                  <a:srgbClr val="0070C0"/>
-                </a:solidFill>
-                <a:latin typeface="Comic Sans MS" pitchFamily="66" charset="0"/>
-                <a:ea typeface="Batang" pitchFamily="18" charset="-127"/>
-                <a:cs typeface="Calibri" pitchFamily="34" charset="0"/>
-              </a:rPr>
-              <a:t> </a:t>
-            </a:r>
-            <a:r>
-              <a:rPr lang="en-US" i="1" dirty="0" err="1" smtClean="0">
-                <a:solidFill>
-                  <a:srgbClr val="0070C0"/>
-                </a:solidFill>
-                <a:latin typeface="Comic Sans MS" pitchFamily="66" charset="0"/>
-                <a:ea typeface="Batang" pitchFamily="18" charset="-127"/>
-                <a:cs typeface="Calibri" pitchFamily="34" charset="0"/>
-              </a:rPr>
-              <a:t>Vamsi</a:t>
-            </a:r>
-            <a:r>
-              <a:rPr lang="en-US" i="1" dirty="0" smtClean="0">
-                <a:solidFill>
-                  <a:srgbClr val="0070C0"/>
-                </a:solidFill>
-                <a:latin typeface="Comic Sans MS" pitchFamily="66" charset="0"/>
-                <a:ea typeface="Batang" pitchFamily="18" charset="-127"/>
-                <a:cs typeface="Calibri" pitchFamily="34" charset="0"/>
-              </a:rPr>
-              <a:t> </a:t>
-            </a:r>
-            <a:r>
-              <a:rPr lang="en-US" i="1" dirty="0" smtClean="0">
-                <a:solidFill>
-                  <a:srgbClr val="0070C0"/>
-                </a:solidFill>
-                <a:latin typeface="Comic Sans MS" pitchFamily="66" charset="0"/>
-                <a:ea typeface="Batang" pitchFamily="18" charset="-127"/>
-                <a:cs typeface="Calibri" pitchFamily="34" charset="0"/>
-              </a:rPr>
-              <a:t>-133323_IN</a:t>
-            </a:r>
-            <a:endParaRPr lang="en-US" i="1" dirty="0" smtClean="0">
-              <a:solidFill>
-                <a:srgbClr val="0070C0"/>
-              </a:solidFill>
-              <a:latin typeface="Comic Sans MS" pitchFamily="66" charset="0"/>
-              <a:ea typeface="Batang" pitchFamily="18" charset="-127"/>
-              <a:cs typeface="Calibri" pitchFamily="34" charset="0"/>
+              <a:t> 139412 </a:t>
+            </a:r>
+          </a:p>
+          <a:p>
+            <a:endParaRPr lang="en-US" sz="1800" dirty="0">
+              <a:latin typeface="Arial Rounded MT Bold" panose="020F0704030504030204" pitchFamily="34" charset="0"/>
+              <a:cs typeface="Times New Roman" panose="02020603050405020304" pitchFamily="18" charset="0"/>
             </a:endParaRPr>
           </a:p>
-          <a:p>
-            <a:r>
-              <a:rPr lang="en-US" i="1" dirty="0" smtClean="0">
-                <a:solidFill>
-                  <a:srgbClr val="0070C0"/>
-                </a:solidFill>
-                <a:latin typeface="Comic Sans MS" pitchFamily="66" charset="0"/>
-                <a:ea typeface="Batang" pitchFamily="18" charset="-127"/>
-                <a:cs typeface="Calibri" pitchFamily="34" charset="0"/>
-              </a:rPr>
-              <a:t>  </a:t>
-            </a:r>
-            <a:r>
-              <a:rPr lang="en-US" i="1" dirty="0" err="1" smtClean="0">
-                <a:solidFill>
-                  <a:srgbClr val="0070C0"/>
-                </a:solidFill>
-                <a:latin typeface="Comic Sans MS" pitchFamily="66" charset="0"/>
-                <a:ea typeface="Batang" pitchFamily="18" charset="-127"/>
-                <a:cs typeface="Calibri" pitchFamily="34" charset="0"/>
-              </a:rPr>
-              <a:t>Tushar</a:t>
-            </a:r>
-            <a:r>
-              <a:rPr lang="en-US" i="1" dirty="0" smtClean="0">
-                <a:solidFill>
-                  <a:srgbClr val="0070C0"/>
-                </a:solidFill>
-                <a:latin typeface="Comic Sans MS" pitchFamily="66" charset="0"/>
-                <a:ea typeface="Batang" pitchFamily="18" charset="-127"/>
-                <a:cs typeface="Calibri" pitchFamily="34" charset="0"/>
-              </a:rPr>
-              <a:t> - 133309_IN</a:t>
-            </a:r>
-          </a:p>
-          <a:p>
-            <a:r>
-              <a:rPr lang="en-US" i="1" dirty="0" smtClean="0">
-                <a:solidFill>
-                  <a:srgbClr val="0070C0"/>
-                </a:solidFill>
-                <a:latin typeface="Comic Sans MS" pitchFamily="66" charset="0"/>
-                <a:ea typeface="Batang" pitchFamily="18" charset="-127"/>
-                <a:cs typeface="Calibri" pitchFamily="34" charset="0"/>
-              </a:rPr>
-              <a:t>   </a:t>
-            </a:r>
-            <a:r>
-              <a:rPr lang="en-US" i="1" dirty="0" err="1" smtClean="0">
-                <a:solidFill>
-                  <a:srgbClr val="0070C0"/>
-                </a:solidFill>
-                <a:latin typeface="Comic Sans MS" pitchFamily="66" charset="0"/>
-                <a:ea typeface="Batang" pitchFamily="18" charset="-127"/>
-                <a:cs typeface="Calibri" pitchFamily="34" charset="0"/>
-              </a:rPr>
-              <a:t>Pratyusha</a:t>
-            </a:r>
-            <a:r>
-              <a:rPr lang="en-US" i="1" dirty="0" smtClean="0">
-                <a:solidFill>
-                  <a:srgbClr val="0070C0"/>
-                </a:solidFill>
-                <a:latin typeface="Comic Sans MS" pitchFamily="66" charset="0"/>
-                <a:ea typeface="Batang" pitchFamily="18" charset="-127"/>
-                <a:cs typeface="Calibri" pitchFamily="34" charset="0"/>
-              </a:rPr>
-              <a:t> - 133322_IN</a:t>
-            </a:r>
-          </a:p>
-          <a:p>
-            <a:r>
-              <a:rPr lang="en-US" i="1" dirty="0" smtClean="0">
-                <a:solidFill>
-                  <a:srgbClr val="0070C0"/>
-                </a:solidFill>
-                <a:latin typeface="Comic Sans MS" pitchFamily="66" charset="0"/>
-                <a:ea typeface="Batang" pitchFamily="18" charset="-127"/>
-                <a:cs typeface="Calibri" pitchFamily="34" charset="0"/>
-              </a:rPr>
-              <a:t>     </a:t>
-            </a:r>
-            <a:r>
-              <a:rPr lang="en-US" i="1" dirty="0" err="1" smtClean="0">
-                <a:solidFill>
-                  <a:srgbClr val="0070C0"/>
-                </a:solidFill>
-                <a:latin typeface="Comic Sans MS" pitchFamily="66" charset="0"/>
-                <a:ea typeface="Batang" pitchFamily="18" charset="-127"/>
-                <a:cs typeface="Calibri" pitchFamily="34" charset="0"/>
-              </a:rPr>
-              <a:t>Deepthi</a:t>
-            </a:r>
-            <a:r>
-              <a:rPr lang="en-US" i="1" dirty="0" smtClean="0">
-                <a:solidFill>
-                  <a:srgbClr val="0070C0"/>
-                </a:solidFill>
-                <a:latin typeface="Comic Sans MS" pitchFamily="66" charset="0"/>
-                <a:ea typeface="Batang" pitchFamily="18" charset="-127"/>
-                <a:cs typeface="Calibri" pitchFamily="34" charset="0"/>
-              </a:rPr>
-              <a:t> –133282_IN</a:t>
-            </a:r>
-          </a:p>
-          <a:p>
-            <a:endParaRPr lang="en-US" dirty="0">
-              <a:latin typeface="Comic Sans MS" pitchFamily="66" charset="0"/>
-            </a:endParaRPr>
-          </a:p>
         </p:txBody>
       </p:sp>
       <p:sp>
@@ -6365,8 +6340,8 @@
         </p:nvSpPr>
         <p:spPr>
           <a:xfrm>
-            <a:off x="457200" y="1219200"/>
-            <a:ext cx="5562600" cy="990600"/>
+            <a:off x="475397" y="1127322"/>
+            <a:ext cx="8077200" cy="990600"/>
           </a:xfrm>
           <a:solidFill>
             <a:schemeClr val="bg1"/>
@@ -6400,22 +6375,28 @@
       </p:sp>
       <p:pic>
         <p:nvPicPr>
-          <p:cNvPr id="4" name="Picture 3" descr="images (3).jpg"/>
+          <p:cNvPr id="6" name="Picture 5"/>
           <p:cNvPicPr>
             <a:picLocks noChangeAspect="1"/>
           </p:cNvPicPr>
           <p:nvPr/>
         </p:nvPicPr>
         <p:blipFill>
-          <a:blip r:embed="rId2"/>
+          <a:blip r:embed="rId2" cstate="print">
+            <a:extLst>
+              <a:ext uri="{28A0092B-C50C-407E-A947-70E740481C1C}">
+                <a14:useLocalDpi xmlns:a14="http://schemas.microsoft.com/office/drawing/2010/main" val="0"/>
+              </a:ext>
+            </a:extLst>
+          </a:blip>
           <a:stretch>
             <a:fillRect/>
           </a:stretch>
         </p:blipFill>
         <p:spPr>
           <a:xfrm>
-            <a:off x="5410200" y="228600"/>
-            <a:ext cx="3429000" cy="1133475"/>
+            <a:off x="5105400" y="381000"/>
+            <a:ext cx="3733800" cy="883044"/>
           </a:xfrm>
           <a:prstGeom prst="rect">
             <a:avLst/>
@@ -6424,22 +6405,28 @@
       </p:pic>
       <p:pic>
         <p:nvPicPr>
-          <p:cNvPr id="5" name="Picture 4" descr="images.jpg"/>
+          <p:cNvPr id="7" name="Picture 6"/>
           <p:cNvPicPr>
             <a:picLocks noChangeAspect="1"/>
           </p:cNvPicPr>
           <p:nvPr/>
         </p:nvPicPr>
         <p:blipFill>
-          <a:blip r:embed="rId3"/>
+          <a:blip r:embed="rId3">
+            <a:extLst>
+              <a:ext uri="{28A0092B-C50C-407E-A947-70E740481C1C}">
+                <a14:useLocalDpi xmlns:a14="http://schemas.microsoft.com/office/drawing/2010/main" val="0"/>
+              </a:ext>
+            </a:extLst>
+          </a:blip>
           <a:stretch>
             <a:fillRect/>
           </a:stretch>
         </p:blipFill>
         <p:spPr>
-          <a:xfrm rot="20899697">
-            <a:off x="620535" y="3504083"/>
-            <a:ext cx="3886200" cy="2089296"/>
+          <a:xfrm>
+            <a:off x="457200" y="3429000"/>
+            <a:ext cx="4408761" cy="1181100"/>
           </a:xfrm>
           <a:prstGeom prst="rect">
             <a:avLst/>
@@ -6493,54 +6480,79 @@
           <a:bodyPr/>
           <a:lstStyle/>
           <a:p>
-            <a:endParaRPr lang="en-US"/>
+            <a:r>
+              <a:rPr lang="en-US" dirty="0" smtClean="0">
+                <a:solidFill>
+                  <a:schemeClr val="tx2">
+                    <a:lumMod val="75000"/>
+                  </a:schemeClr>
+                </a:solidFill>
+              </a:rPr>
+              <a:t>Class Diagram</a:t>
+            </a:r>
+            <a:endParaRPr lang="en-US" dirty="0">
+              <a:solidFill>
+                <a:schemeClr val="tx2">
+                  <a:lumMod val="75000"/>
+                </a:schemeClr>
+              </a:solidFill>
+            </a:endParaRPr>
           </a:p>
         </p:txBody>
       </p:sp>
       <p:pic>
         <p:nvPicPr>
-          <p:cNvPr id="4" name="Content Placeholder 5" descr="class1.png"/>
+          <p:cNvPr id="3" name="Content Placeholder 2"/>
           <p:cNvPicPr>
-            <a:picLocks noChangeAspect="1"/>
+            <a:picLocks noGrp="1" noChangeAspect="1"/>
           </p:cNvPicPr>
-          <p:nvPr/>
+          <p:nvPr>
+            <p:ph sz="quarter" idx="1"/>
+          </p:nvPr>
         </p:nvPicPr>
         <p:blipFill>
-          <a:blip r:embed="rId2"/>
-          <a:srcRect l="16593" t="4691" r="28966" b="10879"/>
+          <a:blip r:embed="rId2">
+            <a:extLst>
+              <a:ext uri="{28A0092B-C50C-407E-A947-70E740481C1C}">
+                <a14:useLocalDpi xmlns:a14="http://schemas.microsoft.com/office/drawing/2010/main" val="0"/>
+              </a:ext>
+            </a:extLst>
+          </a:blip>
           <a:stretch>
             <a:fillRect/>
           </a:stretch>
         </p:blipFill>
         <p:spPr>
           <a:xfrm>
-            <a:off x="0" y="0"/>
-            <a:ext cx="4572000" cy="6858000"/>
-          </a:xfrm>
-          <a:prstGeom prst="rect">
-            <a:avLst/>
-          </a:prstGeom>
+            <a:off x="0" y="2514600"/>
+            <a:ext cx="5181600" cy="3581400"/>
+          </a:xfrm>
         </p:spPr>
       </p:pic>
       <p:pic>
         <p:nvPicPr>
-          <p:cNvPr id="5" name="Picture 4" descr="classum.png"/>
+          <p:cNvPr id="4" name="Picture 3"/>
           <p:cNvPicPr>
             <a:picLocks noChangeAspect="1"/>
           </p:cNvPicPr>
           <p:nvPr/>
         </p:nvPicPr>
         <p:blipFill>
-          <a:blip r:embed="rId3"/>
-          <a:srcRect l="20250" t="8065" r="28696" b="12903"/>
+          <a:blip r:embed="rId3">
+            <a:extLst>
+              <a:ext uri="{28A0092B-C50C-407E-A947-70E740481C1C}">
+                <a14:useLocalDpi xmlns:a14="http://schemas.microsoft.com/office/drawing/2010/main" val="0"/>
+              </a:ext>
+            </a:extLst>
+          </a:blip>
           <a:stretch>
             <a:fillRect/>
           </a:stretch>
         </p:blipFill>
         <p:spPr>
           <a:xfrm>
-            <a:off x="4572000" y="0"/>
-            <a:ext cx="4419600" cy="6705600"/>
+            <a:off x="4764895" y="2514600"/>
+            <a:ext cx="4379105" cy="3581400"/>
           </a:xfrm>
           <a:prstGeom prst="rect">
             <a:avLst/>
@@ -6548,10 +6560,22 @@
         </p:spPr>
       </p:pic>
     </p:spTree>
+    <p:extLst>
+      <p:ext uri="{BB962C8B-B14F-4D97-AF65-F5344CB8AC3E}">
+        <p14:creationId xmlns:p14="http://schemas.microsoft.com/office/powerpoint/2010/main" val="2003803354"/>
+      </p:ext>
+    </p:extLst>
   </p:cSld>
   <p:clrMapOvr>
     <a:masterClrMapping/>
   </p:clrMapOvr>
+  <p:timing>
+    <p:tnLst>
+      <p:par>
+        <p:cTn id="1" dur="indefinite" restart="never" nodeType="tmRoot"/>
+      </p:par>
+    </p:tnLst>
+  </p:timing>
 </p:sld>
 </file>
 
@@ -6624,7 +6648,9 @@
           </a:xfrm>
         </p:spPr>
         <p:txBody>
-          <a:bodyPr/>
+          <a:bodyPr>
+            <a:normAutofit lnSpcReduction="10000"/>
+          </a:bodyPr>
           <a:lstStyle/>
           <a:p>
             <a:pPr lvl="2"/>
@@ -6641,13 +6667,8 @@
             <a:pPr lvl="2"/>
             <a:r>
               <a:rPr lang="en-US" dirty="0" smtClean="0"/>
-              <a:t>Hotel: This will contain the list of </a:t>
-            </a:r>
-            <a:r>
-              <a:rPr lang="en-US" dirty="0" smtClean="0"/>
-              <a:t>hotels and places where they are located.</a:t>
-            </a:r>
-            <a:endParaRPr lang="en-US" dirty="0" smtClean="0"/>
+              <a:t>Hotel: This will contain the list of hotels and places where they are located.</a:t>
+            </a:r>
           </a:p>
           <a:p>
             <a:pPr lvl="2"/>
@@ -6656,12 +6677,8 @@
           <a:p>
             <a:pPr lvl="2"/>
             <a:r>
-              <a:rPr lang="en-US" dirty="0" err="1" smtClean="0"/>
-              <a:t>RoomDetails</a:t>
-            </a:r>
-            <a:r>
               <a:rPr lang="en-US" dirty="0" smtClean="0"/>
-              <a:t>: This will contain the details of all the rooms available in all the hotels like room type, rate per night etc.</a:t>
+              <a:t>RoomDetails: This will contain the details of all the rooms available in all the hotels like room type, rate per night etc.</a:t>
             </a:r>
           </a:p>
           <a:p>
@@ -6671,13 +6688,22 @@
           <a:p>
             <a:pPr lvl="2"/>
             <a:r>
+              <a:rPr lang="en-US" dirty="0" smtClean="0"/>
+              <a:t>BookingDetails: This will contain the list of booked rooms and their details </a:t>
+            </a:r>
+            <a:r>
+              <a:rPr lang="en-US" dirty="0" smtClean="0"/>
+              <a:t>like booked from and to dates, amount, </a:t>
+            </a:r>
+            <a:r>
               <a:rPr lang="en-US" dirty="0" err="1" smtClean="0"/>
-              <a:t>BookingDetails</a:t>
+              <a:t>no.of</a:t>
             </a:r>
             <a:r>
               <a:rPr lang="en-US" dirty="0" smtClean="0"/>
-              <a:t>: This will contain the list of booked rooms and their details like dates to book room, amount etc.</a:t>
-            </a:r>
+              <a:t> adults and children etc.</a:t>
+            </a:r>
+            <a:endParaRPr lang="en-US" dirty="0" smtClean="0"/>
           </a:p>
           <a:p>
             <a:endParaRPr lang="en-US" dirty="0"/>
@@ -6767,61 +6793,30 @@
           <a:p>
             <a:r>
               <a:rPr lang="en-US" sz="2000" dirty="0" smtClean="0"/>
-              <a:t>This is based on the Spring MVC framework.</a:t>
-            </a:r>
-          </a:p>
-          <a:p>
+              <a:t>This is based on the </a:t>
+            </a:r>
             <a:r>
               <a:rPr lang="en-US" sz="2000" dirty="0" smtClean="0"/>
-              <a:t>The request will go to the Dispatcher </a:t>
-            </a:r>
-            <a:r>
-              <a:rPr lang="en-US" sz="2000" dirty="0" err="1" smtClean="0"/>
-              <a:t>Servlet</a:t>
-            </a:r>
+              <a:t>MVC Layered Architecture.</a:t>
+            </a:r>
+            <a:endParaRPr lang="en-US" sz="2000" dirty="0" smtClean="0"/>
+          </a:p>
+          <a:p>
             <a:r>
               <a:rPr lang="en-US" sz="2000" dirty="0" smtClean="0"/>
-              <a:t>.</a:t>
-            </a:r>
-          </a:p>
-          <a:p>
-            <a:r>
-              <a:rPr lang="en-US" sz="2000" dirty="0" err="1" smtClean="0"/>
-              <a:t>DispatcherServlet</a:t>
-            </a:r>
+              <a:t>The request will go to the Dispatcher Servlet.</a:t>
+            </a:r>
+          </a:p>
+          <a:p>
             <a:r>
               <a:rPr lang="en-US" sz="2000" dirty="0" smtClean="0"/>
-              <a:t> starts by querying one or more </a:t>
-            </a:r>
-            <a:r>
-              <a:rPr lang="en-US" sz="2000" dirty="0" err="1" smtClean="0"/>
-              <a:t>HandlerMappings</a:t>
-            </a:r>
+              <a:t>DispatcherServlet starts by querying one or more HandlerMappings. A HandlerMapping typically maps URL patterns to Controller objects.</a:t>
+            </a:r>
+          </a:p>
+          <a:p>
             <a:r>
               <a:rPr lang="en-US" sz="2000" dirty="0" smtClean="0"/>
-              <a:t>. A </a:t>
-            </a:r>
-            <a:r>
-              <a:rPr lang="en-US" sz="2000" dirty="0" err="1" smtClean="0"/>
-              <a:t>HandlerMapping</a:t>
-            </a:r>
-            <a:r>
-              <a:rPr lang="en-US" sz="2000" dirty="0" smtClean="0"/>
-              <a:t> typically maps URL patterns to Controller objects.</a:t>
-            </a:r>
-          </a:p>
-          <a:p>
-            <a:r>
-              <a:rPr lang="en-US" sz="2000" dirty="0" smtClean="0"/>
-              <a:t>Once the </a:t>
-            </a:r>
-            <a:r>
-              <a:rPr lang="en-US" sz="2000" dirty="0" err="1" smtClean="0"/>
-              <a:t>DispatcherServlet</a:t>
-            </a:r>
-            <a:r>
-              <a:rPr lang="en-US" sz="2000" dirty="0" smtClean="0"/>
-              <a:t> has a Controller object, it dispatches the request to the Controller which performs the business logic.</a:t>
+              <a:t>Once the DispatcherServlet has a Controller object, it dispatches the request to the Controller which performs the business logic.</a:t>
             </a:r>
           </a:p>
           <a:p>
@@ -6875,8 +6870,8 @@
         </p:nvSpPr>
         <p:spPr>
           <a:xfrm>
-            <a:off x="4419600" y="3124200"/>
-            <a:ext cx="484632" cy="978408"/>
+            <a:off x="4301109" y="2903625"/>
+            <a:ext cx="484632" cy="609600"/>
           </a:xfrm>
           <a:prstGeom prst="downArrow">
             <a:avLst/>
@@ -6914,22 +6909,28 @@
       </p:sp>
       <p:pic>
         <p:nvPicPr>
-          <p:cNvPr id="7" name="Picture 6" descr="Login Page.JPG"/>
+          <p:cNvPr id="2" name="Picture 1"/>
           <p:cNvPicPr>
             <a:picLocks noChangeAspect="1"/>
           </p:cNvPicPr>
           <p:nvPr/>
         </p:nvPicPr>
         <p:blipFill>
-          <a:blip r:embed="rId2" cstate="print"/>
+          <a:blip r:embed="rId2">
+            <a:extLst>
+              <a:ext uri="{28A0092B-C50C-407E-A947-70E740481C1C}">
+                <a14:useLocalDpi xmlns:a14="http://schemas.microsoft.com/office/drawing/2010/main" val="0"/>
+              </a:ext>
+            </a:extLst>
+          </a:blip>
           <a:stretch>
             <a:fillRect/>
           </a:stretch>
         </p:blipFill>
         <p:spPr>
           <a:xfrm>
-            <a:off x="2286000" y="228600"/>
-            <a:ext cx="4572001" cy="2792321"/>
+            <a:off x="1273683" y="152400"/>
+            <a:ext cx="6539484" cy="2703915"/>
           </a:xfrm>
           <a:prstGeom prst="rect">
             <a:avLst/>
@@ -6938,22 +6939,28 @@
       </p:pic>
       <p:pic>
         <p:nvPicPr>
-          <p:cNvPr id="10" name="Picture 9" descr="Hotel Management System.JPG"/>
+          <p:cNvPr id="3" name="Picture 2"/>
           <p:cNvPicPr>
             <a:picLocks noChangeAspect="1"/>
           </p:cNvPicPr>
           <p:nvPr/>
         </p:nvPicPr>
         <p:blipFill>
-          <a:blip r:embed="rId3" cstate="print"/>
+          <a:blip r:embed="rId3">
+            <a:extLst>
+              <a:ext uri="{28A0092B-C50C-407E-A947-70E740481C1C}">
+                <a14:useLocalDpi xmlns:a14="http://schemas.microsoft.com/office/drawing/2010/main" val="0"/>
+              </a:ext>
+            </a:extLst>
+          </a:blip>
           <a:stretch>
             <a:fillRect/>
           </a:stretch>
         </p:blipFill>
         <p:spPr>
           <a:xfrm>
-            <a:off x="2667000" y="4191000"/>
-            <a:ext cx="3616294" cy="2018330"/>
+            <a:off x="3124200" y="3524250"/>
+            <a:ext cx="2838450" cy="3181350"/>
           </a:xfrm>
           <a:prstGeom prst="rect">
             <a:avLst/>
@@ -7033,22 +7040,28 @@
       </p:cxnSp>
       <p:pic>
         <p:nvPicPr>
-          <p:cNvPr id="6" name="Picture 5" descr="All Hotels.JPG"/>
+          <p:cNvPr id="2" name="Picture 1"/>
           <p:cNvPicPr>
             <a:picLocks noChangeAspect="1"/>
           </p:cNvPicPr>
           <p:nvPr/>
         </p:nvPicPr>
         <p:blipFill>
-          <a:blip r:embed="rId2"/>
+          <a:blip r:embed="rId2">
+            <a:extLst>
+              <a:ext uri="{28A0092B-C50C-407E-A947-70E740481C1C}">
+                <a14:useLocalDpi xmlns:a14="http://schemas.microsoft.com/office/drawing/2010/main" val="0"/>
+              </a:ext>
+            </a:extLst>
+          </a:blip>
           <a:stretch>
             <a:fillRect/>
           </a:stretch>
         </p:blipFill>
         <p:spPr>
           <a:xfrm>
-            <a:off x="381000" y="304800"/>
-            <a:ext cx="8458200" cy="5029200"/>
+            <a:off x="0" y="0"/>
+            <a:ext cx="9144000" cy="6857999"/>
           </a:xfrm>
           <a:prstGeom prst="rect">
             <a:avLst/>
@@ -7087,70 +7100,60 @@
           <a:chExt cx="0" cy="0"/>
         </a:xfrm>
       </p:grpSpPr>
-      <p:sp>
-        <p:nvSpPr>
-          <p:cNvPr id="6" name="Left-Up Arrow 5"/>
-          <p:cNvSpPr/>
-          <p:nvPr/>
-        </p:nvSpPr>
-        <p:spPr>
-          <a:xfrm>
-            <a:off x="5715000" y="1219200"/>
-            <a:ext cx="533400" cy="2133600"/>
-          </a:xfrm>
-          <a:prstGeom prst="leftUpArrow">
-            <a:avLst/>
-          </a:prstGeom>
-          <a:solidFill>
-            <a:schemeClr val="accent6">
-              <a:lumMod val="40000"/>
-              <a:lumOff val="60000"/>
-            </a:schemeClr>
-          </a:solidFill>
-        </p:spPr>
-        <p:style>
-          <a:lnRef idx="2">
-            <a:schemeClr val="accent1">
-              <a:shade val="50000"/>
-            </a:schemeClr>
-          </a:lnRef>
-          <a:fillRef idx="1">
-            <a:schemeClr val="accent1"/>
-          </a:fillRef>
-          <a:effectRef idx="0">
-            <a:schemeClr val="accent1"/>
-          </a:effectRef>
-          <a:fontRef idx="minor">
-            <a:schemeClr val="lt1"/>
-          </a:fontRef>
-        </p:style>
-        <p:txBody>
-          <a:bodyPr rtlCol="0" anchor="ctr"/>
-          <a:lstStyle/>
-          <a:p>
-            <a:pPr algn="ctr"/>
-            <a:endParaRPr lang="en-US"/>
-          </a:p>
-        </p:txBody>
-      </p:sp>
       <p:pic>
         <p:nvPicPr>
-          <p:cNvPr id="8" name="Picture 7" descr="Add Hotel.JPG"/>
+          <p:cNvPr id="2" name="Picture 1"/>
           <p:cNvPicPr>
             <a:picLocks noChangeAspect="1"/>
           </p:cNvPicPr>
           <p:nvPr/>
         </p:nvPicPr>
         <p:blipFill>
-          <a:blip r:embed="rId2"/>
+          <a:blip r:embed="rId2">
+            <a:extLst>
+              <a:ext uri="{28A0092B-C50C-407E-A947-70E740481C1C}">
+                <a14:useLocalDpi xmlns:a14="http://schemas.microsoft.com/office/drawing/2010/main" val="0"/>
+              </a:ext>
+            </a:extLst>
+          </a:blip>
           <a:stretch>
             <a:fillRect/>
           </a:stretch>
         </p:blipFill>
         <p:spPr>
           <a:xfrm>
-            <a:off x="0" y="777458"/>
-            <a:ext cx="9144000" cy="5303084"/>
+            <a:off x="0" y="0"/>
+            <a:ext cx="9144000" cy="3276600"/>
+          </a:xfrm>
+          <a:prstGeom prst="rect">
+            <a:avLst/>
+          </a:prstGeom>
+        </p:spPr>
+      </p:pic>
+      <p:pic>
+        <p:nvPicPr>
+          <p:cNvPr id="3" name="Picture 2"/>
+          <p:cNvPicPr>
+            <a:picLocks noChangeAspect="1"/>
+          </p:cNvPicPr>
+          <p:nvPr/>
+        </p:nvPicPr>
+        <p:blipFill>
+          <a:blip r:embed="rId3">
+            <a:extLst>
+              <a:ext uri="{28A0092B-C50C-407E-A947-70E740481C1C}">
+                <a14:useLocalDpi xmlns:a14="http://schemas.microsoft.com/office/drawing/2010/main" val="0"/>
+              </a:ext>
+            </a:extLst>
+          </a:blip>
+          <a:stretch>
+            <a:fillRect/>
+          </a:stretch>
+        </p:blipFill>
+        <p:spPr>
+          <a:xfrm>
+            <a:off x="0" y="3276600"/>
+            <a:ext cx="9144000" cy="3581400"/>
           </a:xfrm>
           <a:prstGeom prst="rect">
             <a:avLst/>
@@ -7191,7 +7194,7 @@
       </p:grpSpPr>
       <p:pic>
         <p:nvPicPr>
-          <p:cNvPr id="4" name="Content Placeholder 3" descr="Room Management.JPG"/>
+          <p:cNvPr id="3" name="Content Placeholder 2"/>
           <p:cNvPicPr>
             <a:picLocks noGrp="1" noChangeAspect="1"/>
           </p:cNvPicPr>
@@ -7200,15 +7203,21 @@
           </p:nvPr>
         </p:nvPicPr>
         <p:blipFill>
-          <a:blip r:embed="rId2"/>
+          <a:blip r:embed="rId2">
+            <a:extLst>
+              <a:ext uri="{28A0092B-C50C-407E-A947-70E740481C1C}">
+                <a14:useLocalDpi xmlns:a14="http://schemas.microsoft.com/office/drawing/2010/main" val="0"/>
+              </a:ext>
+            </a:extLst>
+          </a:blip>
           <a:stretch>
             <a:fillRect/>
           </a:stretch>
         </p:blipFill>
         <p:spPr>
           <a:xfrm>
-            <a:off x="685800" y="457200"/>
-            <a:ext cx="7855584" cy="4572000"/>
+            <a:off x="-56707" y="0"/>
+            <a:ext cx="9200707" cy="6858000"/>
           </a:xfrm>
         </p:spPr>
       </p:pic>
@@ -7265,7 +7274,7 @@
       </p:sp>
       <p:pic>
         <p:nvPicPr>
-          <p:cNvPr id="4" name="Content Placeholder 3" descr="view Details.JPG"/>
+          <p:cNvPr id="5" name="Content Placeholder 4"/>
           <p:cNvPicPr>
             <a:picLocks noGrp="1" noChangeAspect="1"/>
           </p:cNvPicPr>
@@ -7274,16 +7283,52 @@
           </p:nvPr>
         </p:nvPicPr>
         <p:blipFill>
-          <a:blip r:embed="rId2"/>
+          <a:blip r:embed="rId2">
+            <a:extLst>
+              <a:ext uri="{28A0092B-C50C-407E-A947-70E740481C1C}">
+                <a14:useLocalDpi xmlns:a14="http://schemas.microsoft.com/office/drawing/2010/main" val="0"/>
+              </a:ext>
+            </a:extLst>
+          </a:blip>
           <a:stretch>
             <a:fillRect/>
           </a:stretch>
         </p:blipFill>
         <p:spPr>
           <a:xfrm>
-            <a:off x="609600" y="533400"/>
-            <a:ext cx="7872608" cy="4572000"/>
-          </a:xfrm>
+            <a:off x="3628" y="3265713"/>
+            <a:ext cx="9140371" cy="3592287"/>
+          </a:xfrm>
+        </p:spPr>
+      </p:pic>
+      <p:pic>
+        <p:nvPicPr>
+          <p:cNvPr id="6" name="Picture 5"/>
+          <p:cNvPicPr>
+            <a:picLocks noChangeAspect="1"/>
+          </p:cNvPicPr>
+          <p:nvPr/>
+        </p:nvPicPr>
+        <p:blipFill>
+          <a:blip r:embed="rId3">
+            <a:extLst>
+              <a:ext uri="{28A0092B-C50C-407E-A947-70E740481C1C}">
+                <a14:useLocalDpi xmlns:a14="http://schemas.microsoft.com/office/drawing/2010/main" val="0"/>
+              </a:ext>
+            </a:extLst>
+          </a:blip>
+          <a:stretch>
+            <a:fillRect/>
+          </a:stretch>
+        </p:blipFill>
+        <p:spPr>
+          <a:xfrm>
+            <a:off x="-3048" y="0"/>
+            <a:ext cx="9144000" cy="3265713"/>
+          </a:xfrm>
+          <a:prstGeom prst="rect">
+            <a:avLst/>
+          </a:prstGeom>
         </p:spPr>
       </p:pic>
     </p:spTree>
@@ -7320,7 +7365,7 @@
       </p:grpSpPr>
       <p:pic>
         <p:nvPicPr>
-          <p:cNvPr id="4" name="Content Placeholder 3" descr="no bookings available.JPG"/>
+          <p:cNvPr id="3" name="Content Placeholder 2"/>
           <p:cNvPicPr>
             <a:picLocks noGrp="1" noChangeAspect="1"/>
           </p:cNvPicPr>
@@ -7329,111 +7374,22 @@
           </p:nvPr>
         </p:nvPicPr>
         <p:blipFill>
-          <a:blip r:embed="rId2"/>
+          <a:blip r:embed="rId2">
+            <a:extLst>
+              <a:ext uri="{28A0092B-C50C-407E-A947-70E740481C1C}">
+                <a14:useLocalDpi xmlns:a14="http://schemas.microsoft.com/office/drawing/2010/main" val="0"/>
+              </a:ext>
+            </a:extLst>
+          </a:blip>
           <a:stretch>
             <a:fillRect/>
           </a:stretch>
         </p:blipFill>
         <p:spPr>
           <a:xfrm>
-            <a:off x="457200" y="685800"/>
-            <a:ext cx="8071635" cy="4572000"/>
-          </a:xfrm>
-        </p:spPr>
-      </p:pic>
-    </p:spTree>
-  </p:cSld>
-  <p:clrMapOvr>
-    <a:masterClrMapping/>
-  </p:clrMapOvr>
-  <p:timing>
-    <p:tnLst>
-      <p:par>
-        <p:cTn id="1" dur="indefinite" restart="never" nodeType="tmRoot"/>
-      </p:par>
-    </p:tnLst>
-  </p:timing>
-</p:sld>
-</file>
-
-<file path=ppt/slides/slide19.xml><?xml version="1.0" encoding="utf-8"?>
-<p:sld xmlns:a="http://schemas.openxmlformats.org/drawingml/2006/main" xmlns:r="http://schemas.openxmlformats.org/officeDocument/2006/relationships" xmlns:p="http://schemas.openxmlformats.org/presentationml/2006/main">
-  <p:cSld>
-    <p:spTree>
-      <p:nvGrpSpPr>
-        <p:cNvPr id="1" name=""/>
-        <p:cNvGrpSpPr/>
-        <p:nvPr/>
-      </p:nvGrpSpPr>
-      <p:grpSpPr>
-        <a:xfrm>
-          <a:off x="0" y="0"/>
-          <a:ext cx="0" cy="0"/>
-          <a:chOff x="0" y="0"/>
-          <a:chExt cx="0" cy="0"/>
-        </a:xfrm>
-      </p:grpSpPr>
-      <p:cxnSp>
-        <p:nvCxnSpPr>
-          <p:cNvPr id="7" name="Curved Connector 6"/>
-          <p:cNvCxnSpPr/>
-          <p:nvPr/>
-        </p:nvCxnSpPr>
-        <p:spPr>
-          <a:xfrm>
-            <a:off x="1752600" y="1752600"/>
-            <a:ext cx="2362200" cy="1066800"/>
-          </a:xfrm>
-          <a:prstGeom prst="curvedConnector3">
-            <a:avLst>
-              <a:gd name="adj1" fmla="val 50000"/>
-            </a:avLst>
-          </a:prstGeom>
-          <a:ln>
-            <a:solidFill>
-              <a:srgbClr val="0070C0"/>
-            </a:solidFill>
-            <a:headEnd type="arrow"/>
-            <a:tailEnd type="arrow"/>
-          </a:ln>
-        </p:spPr>
-        <p:style>
-          <a:lnRef idx="1">
-            <a:schemeClr val="accent1"/>
-          </a:lnRef>
-          <a:fillRef idx="0">
-            <a:schemeClr val="accent1"/>
-          </a:fillRef>
-          <a:effectRef idx="0">
-            <a:schemeClr val="accent1"/>
-          </a:effectRef>
-          <a:fontRef idx="minor">
-            <a:schemeClr val="tx1"/>
-          </a:fontRef>
-        </p:style>
-      </p:cxnSp>
-      <p:pic>
-        <p:nvPicPr>
-          <p:cNvPr id="8" name="Picture 7" descr="Booking.JPG"/>
-          <p:cNvPicPr>
-            <a:picLocks noChangeAspect="1"/>
-          </p:cNvPicPr>
-          <p:nvPr/>
-        </p:nvPicPr>
-        <p:blipFill>
-          <a:blip r:embed="rId2"/>
-          <a:stretch>
-            <a:fillRect/>
-          </a:stretch>
-        </p:blipFill>
-        <p:spPr>
-          <a:xfrm>
-            <a:off x="0" y="785302"/>
-            <a:ext cx="9144000" cy="5287396"/>
-          </a:xfrm>
-          <a:prstGeom prst="rect">
-            <a:avLst/>
-          </a:prstGeom>
+            <a:off x="990600" y="2133600"/>
+            <a:ext cx="6703111" cy="2917825"/>
+          </a:xfrm>
         </p:spPr>
       </p:pic>
     </p:spTree>
@@ -7538,14 +7494,9 @@
           <a:p>
             <a:r>
               <a:rPr lang="en-US" dirty="0" smtClean="0"/>
-              <a:t>Sequence diagram</a:t>
-            </a:r>
-          </a:p>
-          <a:p>
-            <a:r>
-              <a:rPr lang="en-US" dirty="0" smtClean="0"/>
               <a:t>Database</a:t>
             </a:r>
+            <a:endParaRPr lang="en-US" dirty="0" smtClean="0"/>
           </a:p>
           <a:p>
             <a:r>
@@ -7570,169 +7521,6 @@
           </a:p>
         </p:txBody>
       </p:sp>
-    </p:spTree>
-  </p:cSld>
-  <p:clrMapOvr>
-    <a:masterClrMapping/>
-  </p:clrMapOvr>
-  <p:timing>
-    <p:tnLst>
-      <p:par>
-        <p:cTn id="1" dur="indefinite" restart="never" nodeType="tmRoot"/>
-      </p:par>
-    </p:tnLst>
-  </p:timing>
-</p:sld>
-</file>
-
-<file path=ppt/slides/slide20.xml><?xml version="1.0" encoding="utf-8"?>
-<p:sld xmlns:a="http://schemas.openxmlformats.org/drawingml/2006/main" xmlns:r="http://schemas.openxmlformats.org/officeDocument/2006/relationships" xmlns:p="http://schemas.openxmlformats.org/presentationml/2006/main">
-  <p:cSld>
-    <p:spTree>
-      <p:nvGrpSpPr>
-        <p:cNvPr id="1" name=""/>
-        <p:cNvGrpSpPr/>
-        <p:nvPr/>
-      </p:nvGrpSpPr>
-      <p:grpSpPr>
-        <a:xfrm>
-          <a:off x="0" y="0"/>
-          <a:ext cx="0" cy="0"/>
-          <a:chOff x="0" y="0"/>
-          <a:chExt cx="0" cy="0"/>
-        </a:xfrm>
-      </p:grpSpPr>
-      <p:sp>
-        <p:nvSpPr>
-          <p:cNvPr id="2" name="Title 1"/>
-          <p:cNvSpPr>
-            <a:spLocks noGrp="1"/>
-          </p:cNvSpPr>
-          <p:nvPr>
-            <p:ph type="title"/>
-          </p:nvPr>
-        </p:nvSpPr>
-        <p:spPr/>
-        <p:txBody>
-          <a:bodyPr/>
-          <a:lstStyle/>
-          <a:p>
-            <a:endParaRPr lang="en-US"/>
-          </a:p>
-        </p:txBody>
-      </p:sp>
-      <p:pic>
-        <p:nvPicPr>
-          <p:cNvPr id="4" name="Content Placeholder 3" descr="booking for specific date.JPG"/>
-          <p:cNvPicPr>
-            <a:picLocks noGrp="1" noChangeAspect="1"/>
-          </p:cNvPicPr>
-          <p:nvPr>
-            <p:ph sz="quarter" idx="1"/>
-          </p:nvPr>
-        </p:nvPicPr>
-        <p:blipFill>
-          <a:blip r:embed="rId2"/>
-          <a:stretch>
-            <a:fillRect/>
-          </a:stretch>
-        </p:blipFill>
-        <p:spPr>
-          <a:xfrm>
-            <a:off x="582491" y="990600"/>
-            <a:ext cx="7942506" cy="5108575"/>
-          </a:xfrm>
-          <a:prstGeom prst="rect">
-            <a:avLst/>
-          </a:prstGeom>
-        </p:spPr>
-      </p:pic>
-    </p:spTree>
-  </p:cSld>
-  <p:clrMapOvr>
-    <a:masterClrMapping/>
-  </p:clrMapOvr>
-  <p:timing>
-    <p:tnLst>
-      <p:par>
-        <p:cTn id="1" dur="indefinite" restart="never" nodeType="tmRoot"/>
-      </p:par>
-    </p:tnLst>
-  </p:timing>
-</p:sld>
-</file>
-
-<file path=ppt/slides/slide21.xml><?xml version="1.0" encoding="utf-8"?>
-<p:sld xmlns:a="http://schemas.openxmlformats.org/drawingml/2006/main" xmlns:r="http://schemas.openxmlformats.org/officeDocument/2006/relationships" xmlns:p="http://schemas.openxmlformats.org/presentationml/2006/main">
-  <p:cSld>
-    <p:spTree>
-      <p:nvGrpSpPr>
-        <p:cNvPr id="1" name=""/>
-        <p:cNvGrpSpPr/>
-        <p:nvPr/>
-      </p:nvGrpSpPr>
-      <p:grpSpPr>
-        <a:xfrm>
-          <a:off x="0" y="0"/>
-          <a:ext cx="0" cy="0"/>
-          <a:chOff x="0" y="0"/>
-          <a:chExt cx="0" cy="0"/>
-        </a:xfrm>
-      </p:grpSpPr>
-      <p:sp>
-        <p:nvSpPr>
-          <p:cNvPr id="13314" name="AutoShape 2" descr="Image result for thank you"/>
-          <p:cNvSpPr>
-            <a:spLocks noChangeAspect="1" noChangeArrowheads="1"/>
-          </p:cNvSpPr>
-          <p:nvPr/>
-        </p:nvSpPr>
-        <p:spPr bwMode="auto">
-          <a:xfrm>
-            <a:off x="155575" y="-144463"/>
-            <a:ext cx="304800" cy="304801"/>
-          </a:xfrm>
-          <a:prstGeom prst="rect">
-            <a:avLst/>
-          </a:prstGeom>
-          <a:noFill/>
-        </p:spPr>
-        <p:txBody>
-          <a:bodyPr vert="horz" wrap="square" lIns="91440" tIns="45720" rIns="91440" bIns="45720" numCol="1" anchor="t" anchorCtr="0" compatLnSpc="1">
-            <a:prstTxWarp prst="textNoShape">
-              <a:avLst/>
-            </a:prstTxWarp>
-          </a:bodyPr>
-          <a:lstStyle/>
-          <a:p>
-            <a:endParaRPr lang="en-US"/>
-          </a:p>
-        </p:txBody>
-      </p:sp>
-      <p:pic>
-        <p:nvPicPr>
-          <p:cNvPr id="7" name="Picture 6" descr="download (2).jpg"/>
-          <p:cNvPicPr>
-            <a:picLocks noChangeAspect="1"/>
-          </p:cNvPicPr>
-          <p:nvPr/>
-        </p:nvPicPr>
-        <p:blipFill>
-          <a:blip r:embed="rId2"/>
-          <a:stretch>
-            <a:fillRect/>
-          </a:stretch>
-        </p:blipFill>
-        <p:spPr>
-          <a:xfrm>
-            <a:off x="1219200" y="990600"/>
-            <a:ext cx="6781800" cy="4876800"/>
-          </a:xfrm>
-          <a:prstGeom prst="rect">
-            <a:avLst/>
-          </a:prstGeom>
-        </p:spPr>
-      </p:pic>
     </p:spTree>
   </p:cSld>
   <p:clrMapOvr>
@@ -7819,7 +7607,6 @@
               <a:rPr lang="en-US" sz="1800" dirty="0" smtClean="0"/>
               <a:t>This project is aimed at developing an online Hotel Bookings Management System (HBMS). </a:t>
             </a:r>
-            <a:endParaRPr lang="en-US" sz="1800" dirty="0" smtClean="0"/>
           </a:p>
           <a:p>
             <a:endParaRPr lang="en-US" sz="1800" dirty="0" smtClean="0"/>
@@ -7829,32 +7616,26 @@
               <a:rPr lang="en-US" sz="1800" dirty="0" smtClean="0"/>
               <a:t>This is based on J2EE. </a:t>
             </a:r>
+          </a:p>
+          <a:p>
+            <a:pPr marL="0" indent="0">
+              <a:buNone/>
+            </a:pPr>
             <a:endParaRPr lang="en-US" sz="1800" dirty="0" smtClean="0"/>
           </a:p>
           <a:p>
+            <a:r>
+              <a:rPr lang="en-US" sz="1800" dirty="0" smtClean="0"/>
+              <a:t>This is providing a convenient way to search hotel rooms at different locations.</a:t>
+            </a:r>
+          </a:p>
+          <a:p>
             <a:endParaRPr lang="en-US" sz="1800" dirty="0" smtClean="0"/>
           </a:p>
           <a:p>
             <a:r>
               <a:rPr lang="en-US" sz="1800" dirty="0" smtClean="0"/>
-              <a:t>This is providing a convenient way to search hotel rooms at different locations</a:t>
-            </a:r>
-            <a:r>
-              <a:rPr lang="en-US" sz="1800" dirty="0" smtClean="0"/>
-              <a:t>.</a:t>
-            </a:r>
-          </a:p>
-          <a:p>
-            <a:endParaRPr lang="en-US" sz="1800" dirty="0" smtClean="0"/>
-          </a:p>
-          <a:p>
-            <a:r>
-              <a:rPr lang="en-US" sz="1800" dirty="0" smtClean="0"/>
-              <a:t> This system can be used to search for Hotel rooms and reserve them</a:t>
-            </a:r>
-            <a:r>
-              <a:rPr lang="en-US" sz="1800" dirty="0" smtClean="0"/>
-              <a:t>.</a:t>
+              <a:t> This system can be used to search for Hotel rooms and reserve them.</a:t>
             </a:r>
           </a:p>
           <a:p>
@@ -7873,7 +7654,7 @@
             </a:pPr>
             <a:r>
               <a:rPr lang="en-US" sz="1800" dirty="0" smtClean="0"/>
-              <a:t>Admin</a:t>
+              <a:t>Customer</a:t>
             </a:r>
           </a:p>
           <a:p>
@@ -7883,7 +7664,7 @@
             </a:pPr>
             <a:r>
               <a:rPr lang="en-US" sz="1800" dirty="0" smtClean="0"/>
-              <a:t>Customer</a:t>
+              <a:t>Employee</a:t>
             </a:r>
           </a:p>
           <a:p>
@@ -7942,18 +7723,10 @@
           <a:lstStyle/>
           <a:p>
             <a:r>
-              <a:rPr lang="en-US" dirty="0" smtClean="0">
-                <a:solidFill>
-                  <a:schemeClr val="tx2"/>
-                </a:solidFill>
-              </a:rPr>
-              <a:t>Admin</a:t>
-            </a:r>
-            <a:endParaRPr lang="en-US" dirty="0">
-              <a:solidFill>
-                <a:schemeClr val="tx2"/>
-              </a:solidFill>
-            </a:endParaRPr>
+              <a:rPr lang="en-US" dirty="0" smtClean="0"/>
+              <a:t>Customer</a:t>
+            </a:r>
+            <a:endParaRPr lang="en-US" dirty="0"/>
           </a:p>
         </p:txBody>
       </p:sp>
@@ -7969,36 +7742,16 @@
         </p:nvSpPr>
         <p:spPr/>
         <p:txBody>
-          <a:bodyPr>
-            <a:normAutofit/>
-          </a:bodyPr>
-          <a:lstStyle/>
+          <a:bodyPr/>
+          <a:lstStyle/>
+          <a:p>
+            <a:endParaRPr lang="en-US" dirty="0" smtClean="0"/>
+          </a:p>
           <a:p>
             <a:pPr lvl="1"/>
             <a:r>
               <a:rPr lang="en-US" dirty="0" smtClean="0"/>
-              <a:t>Login to the system using his/her credentials </a:t>
-            </a:r>
-          </a:p>
-          <a:p>
-            <a:pPr lvl="1"/>
-            <a:r>
-              <a:rPr lang="en-US" dirty="0" smtClean="0"/>
-              <a:t>Perform Hotel Management (add/delete/modify Hotel info like description, any special offers etc)</a:t>
-            </a:r>
-          </a:p>
-          <a:p>
-            <a:pPr lvl="1"/>
-            <a:r>
-              <a:rPr lang="en-US" dirty="0" smtClean="0"/>
-              <a:t>Perform Room Management (add/delete/modify Room info like revised tariff) </a:t>
-            </a:r>
-          </a:p>
-          <a:p>
-            <a:pPr lvl="1"/>
-            <a:r>
-              <a:rPr lang="en-US" dirty="0" smtClean="0"/>
-              <a:t>Generate various reports like:</a:t>
+              <a:t>Register into the system.</a:t>
             </a:r>
           </a:p>
           <a:p>
@@ -8007,90 +7760,61 @@
           </a:p>
           <a:p>
             <a:pPr lvl="1"/>
+            <a:r>
+              <a:rPr lang="en-US" dirty="0" smtClean="0"/>
+              <a:t>Login to the system using his/her credentials.</a:t>
+            </a:r>
+          </a:p>
+          <a:p>
+            <a:pPr lvl="1"/>
             <a:endParaRPr lang="en-US" dirty="0" smtClean="0"/>
           </a:p>
           <a:p>
-            <a:pPr lvl="8">
+            <a:pPr lvl="1"/>
+            <a:r>
+              <a:rPr lang="en-US" dirty="0" smtClean="0"/>
+              <a:t>After login ,user can perform following-</a:t>
+            </a:r>
+          </a:p>
+          <a:p>
+            <a:pPr lvl="1"/>
+            <a:endParaRPr lang="en-US" dirty="0" smtClean="0"/>
+          </a:p>
+          <a:p>
+            <a:pPr lvl="6">
+              <a:buFont typeface="Wingdings" pitchFamily="2" charset="2"/>
+              <a:buChar char="ü"/>
+            </a:pPr>
+            <a:r>
+              <a:rPr lang="en-US" sz="2000" dirty="0" smtClean="0"/>
+              <a:t>Search for hotel rooms.</a:t>
+            </a:r>
+          </a:p>
+          <a:p>
+            <a:pPr lvl="6">
+              <a:buFont typeface="Wingdings" pitchFamily="2" charset="2"/>
+              <a:buChar char="ü"/>
+            </a:pPr>
+            <a:r>
+              <a:rPr lang="en-US" sz="2000" dirty="0" smtClean="0"/>
+              <a:t>Book hotel rooms.</a:t>
+            </a:r>
+          </a:p>
+          <a:p>
+            <a:pPr lvl="6">
+              <a:buFont typeface="Wingdings" pitchFamily="2" charset="2"/>
+              <a:buChar char="ü"/>
+            </a:pPr>
+            <a:r>
+              <a:rPr lang="en-US" sz="2000" dirty="0" smtClean="0"/>
+              <a:t>View Booking Status</a:t>
+            </a:r>
+          </a:p>
+          <a:p>
+            <a:pPr>
               <a:buNone/>
             </a:pPr>
-            <a:r>
-              <a:rPr lang="en-US" dirty="0" smtClean="0"/>
-              <a:t>                     View List of Hotels</a:t>
-            </a:r>
-          </a:p>
-          <a:p>
-            <a:pPr lvl="8">
-              <a:buNone/>
-            </a:pPr>
-            <a:r>
-              <a:rPr lang="en-US" dirty="0" smtClean="0"/>
-              <a:t>                  View Bookings of specific hotel</a:t>
-            </a:r>
-          </a:p>
-          <a:p>
-            <a:pPr lvl="8">
-              <a:buNone/>
-            </a:pPr>
-            <a:r>
-              <a:rPr lang="en-US" dirty="0" smtClean="0"/>
-              <a:t>             View guest list of specific hotel</a:t>
-            </a:r>
-          </a:p>
-          <a:p>
-            <a:pPr lvl="8">
-              <a:buNone/>
-            </a:pPr>
-            <a:r>
-              <a:rPr lang="en-US" dirty="0" smtClean="0"/>
-              <a:t>               View bookings for specified date</a:t>
-            </a:r>
-          </a:p>
-          <a:p>
             <a:endParaRPr lang="en-US" dirty="0" smtClean="0"/>
-          </a:p>
-          <a:p>
-            <a:endParaRPr lang="en-US" dirty="0"/>
-          </a:p>
-        </p:txBody>
-      </p:sp>
-      <p:sp>
-        <p:nvSpPr>
-          <p:cNvPr id="5" name="Cloud 4"/>
-          <p:cNvSpPr/>
-          <p:nvPr/>
-        </p:nvSpPr>
-        <p:spPr>
-          <a:xfrm>
-            <a:off x="1752600" y="3810000"/>
-            <a:ext cx="5943600" cy="2667000"/>
-          </a:xfrm>
-          <a:prstGeom prst="cloud">
-            <a:avLst/>
-          </a:prstGeom>
-          <a:noFill/>
-        </p:spPr>
-        <p:style>
-          <a:lnRef idx="2">
-            <a:schemeClr val="accent1">
-              <a:shade val="50000"/>
-            </a:schemeClr>
-          </a:lnRef>
-          <a:fillRef idx="1">
-            <a:schemeClr val="accent1"/>
-          </a:fillRef>
-          <a:effectRef idx="0">
-            <a:schemeClr val="accent1"/>
-          </a:effectRef>
-          <a:fontRef idx="minor">
-            <a:schemeClr val="lt1"/>
-          </a:fontRef>
-        </p:style>
-        <p:txBody>
-          <a:bodyPr rtlCol="0" anchor="ctr"/>
-          <a:lstStyle/>
-          <a:p>
-            <a:pPr algn="ctr"/>
-            <a:endParaRPr lang="en-US"/>
           </a:p>
         </p:txBody>
       </p:sp>
@@ -8238,6 +7962,11 @@
         </p:txBody>
       </p:sp>
     </p:spTree>
+    <p:extLst>
+      <p:ext uri="{BB962C8B-B14F-4D97-AF65-F5344CB8AC3E}">
+        <p14:creationId xmlns:p14="http://schemas.microsoft.com/office/powerpoint/2010/main" val="531197207"/>
+      </p:ext>
+    </p:extLst>
   </p:cSld>
   <p:clrMapOvr>
     <a:masterClrMapping/>
@@ -8369,10 +8098,9 @@
           <a:p>
             <a:pPr lvl="3"/>
             <a:r>
-              <a:rPr lang="en-US" sz="1600" dirty="0" err="1" smtClean="0"/>
+              <a:rPr lang="en-US" sz="1600" dirty="0" smtClean="0"/>
               <a:t>Servlets</a:t>
             </a:r>
-            <a:endParaRPr lang="en-US" sz="1600" dirty="0" smtClean="0"/>
           </a:p>
           <a:p>
             <a:pPr lvl="3"/>
@@ -8382,6 +8110,12 @@
             </a:r>
           </a:p>
           <a:p>
+            <a:pPr marL="868680" lvl="3" indent="0">
+              <a:buNone/>
+            </a:pPr>
+            <a:endParaRPr lang="en-US" sz="1600" dirty="0" smtClean="0"/>
+          </a:p>
+          <a:p>
             <a:pPr lvl="2"/>
             <a:r>
               <a:rPr lang="en-US" sz="1600" dirty="0" smtClean="0"/>
@@ -8396,10 +8130,9 @@
           <a:p>
             <a:pPr lvl="3"/>
             <a:r>
-              <a:rPr lang="en-US" sz="1600" dirty="0" err="1" smtClean="0"/>
+              <a:rPr lang="en-US" sz="1600" dirty="0" smtClean="0"/>
               <a:t>WildFly</a:t>
             </a:r>
-            <a:endParaRPr lang="en-US" sz="1600" dirty="0" smtClean="0"/>
           </a:p>
           <a:p>
             <a:pPr>
@@ -8551,30 +8284,32 @@
       </p:sp>
       <p:pic>
         <p:nvPicPr>
-          <p:cNvPr id="1026" name="Picture 2" descr="\\192.168.10.47\d\umlllll.jpg"/>
+          <p:cNvPr id="4" name="Picture 3"/>
           <p:cNvPicPr>
-            <a:picLocks noChangeAspect="1" noChangeArrowheads="1"/>
+            <a:picLocks noChangeAspect="1"/>
           </p:cNvPicPr>
           <p:nvPr/>
         </p:nvPicPr>
         <p:blipFill>
-          <a:blip r:embed="rId2"/>
-          <a:srcRect/>
+          <a:blip r:embed="rId2">
+            <a:extLst>
+              <a:ext uri="{28A0092B-C50C-407E-A947-70E740481C1C}">
+                <a14:useLocalDpi xmlns:a14="http://schemas.microsoft.com/office/drawing/2010/main" val="0"/>
+              </a:ext>
+            </a:extLst>
+          </a:blip>
           <a:stretch>
             <a:fillRect/>
           </a:stretch>
         </p:blipFill>
-        <p:spPr bwMode="auto">
-          <a:xfrm>
-            <a:off x="609600" y="1219200"/>
-            <a:ext cx="8153400" cy="5334000"/>
+        <p:spPr>
+          <a:xfrm>
+            <a:off x="152399" y="2133600"/>
+            <a:ext cx="8915401" cy="4581525"/>
           </a:xfrm>
           <a:prstGeom prst="rect">
             <a:avLst/>
           </a:prstGeom>
-          <a:solidFill>
-            <a:srgbClr val="FFFF00"/>
-          </a:solidFill>
         </p:spPr>
       </p:pic>
     </p:spTree>
@@ -8609,75 +8344,70 @@
           <a:chExt cx="0" cy="0"/>
         </a:xfrm>
       </p:grpSpPr>
-      <p:pic>
-        <p:nvPicPr>
-          <p:cNvPr id="6" name="Content Placeholder 5" descr="seq.png"/>
-          <p:cNvPicPr>
-            <a:picLocks noGrp="1" noChangeAspect="1"/>
-          </p:cNvPicPr>
-          <p:nvPr>
-            <p:ph sz="quarter" idx="1"/>
-          </p:nvPr>
-        </p:nvPicPr>
-        <p:blipFill>
-          <a:blip r:embed="rId2"/>
-          <a:srcRect l="15943" t="4691" r="26492" b="65339"/>
-          <a:stretch>
-            <a:fillRect/>
-          </a:stretch>
-        </p:blipFill>
-        <p:spPr>
-          <a:xfrm>
-            <a:off x="228600" y="990600"/>
-            <a:ext cx="8763000" cy="5715000"/>
-          </a:xfrm>
-        </p:spPr>
-      </p:pic>
-      <p:sp>
-        <p:nvSpPr>
-          <p:cNvPr id="8" name="Rectangle 7"/>
-          <p:cNvSpPr/>
-          <p:nvPr/>
-        </p:nvSpPr>
-        <p:spPr>
-          <a:xfrm>
-            <a:off x="2895600" y="304801"/>
-            <a:ext cx="3124200" cy="461665"/>
-          </a:xfrm>
-          <a:prstGeom prst="rect">
-            <a:avLst/>
-          </a:prstGeom>
-        </p:spPr>
-        <p:txBody>
-          <a:bodyPr wrap="square">
-            <a:spAutoFit/>
-          </a:bodyPr>
-          <a:lstStyle/>
-          <a:p>
-            <a:r>
-              <a:rPr lang="en-US" sz="2400" dirty="0" smtClean="0">
+      <p:sp>
+        <p:nvSpPr>
+          <p:cNvPr id="2" name="Title 1"/>
+          <p:cNvSpPr>
+            <a:spLocks noGrp="1"/>
+          </p:cNvSpPr>
+          <p:nvPr>
+            <p:ph type="title"/>
+          </p:nvPr>
+        </p:nvSpPr>
+        <p:spPr/>
+        <p:txBody>
+          <a:bodyPr/>
+          <a:lstStyle/>
+          <a:p>
+            <a:r>
+              <a:rPr lang="en-US" dirty="0" smtClean="0">
                 <a:solidFill>
                   <a:schemeClr val="tx2">
                     <a:lumMod val="75000"/>
                   </a:schemeClr>
                 </a:solidFill>
               </a:rPr>
-              <a:t>Sequence </a:t>
-            </a:r>
-            <a:r>
-              <a:rPr lang="en-US" sz="2400" dirty="0" smtClean="0">
-                <a:solidFill>
-                  <a:schemeClr val="tx2">
-                    <a:lumMod val="75000"/>
-                  </a:schemeClr>
-                </a:solidFill>
-              </a:rPr>
-              <a:t>Diagram</a:t>
-            </a:r>
-            <a:endParaRPr lang="en-US" sz="2400" dirty="0"/>
-          </a:p>
-        </p:txBody>
-      </p:sp>
+              <a:t>Class Diagram</a:t>
+            </a:r>
+            <a:endParaRPr lang="en-US" dirty="0">
+              <a:solidFill>
+                <a:schemeClr val="tx2">
+                  <a:lumMod val="75000"/>
+                </a:schemeClr>
+              </a:solidFill>
+            </a:endParaRPr>
+          </a:p>
+        </p:txBody>
+      </p:sp>
+      <p:pic>
+        <p:nvPicPr>
+          <p:cNvPr id="8" name="Content Placeholder 7"/>
+          <p:cNvPicPr>
+            <a:picLocks noGrp="1" noChangeAspect="1"/>
+          </p:cNvPicPr>
+          <p:nvPr>
+            <p:ph sz="quarter" idx="1"/>
+          </p:nvPr>
+        </p:nvPicPr>
+        <p:blipFill>
+          <a:blip r:embed="rId2">
+            <a:extLst>
+              <a:ext uri="{28A0092B-C50C-407E-A947-70E740481C1C}">
+                <a14:useLocalDpi xmlns:a14="http://schemas.microsoft.com/office/drawing/2010/main" val="0"/>
+              </a:ext>
+            </a:extLst>
+          </a:blip>
+          <a:stretch>
+            <a:fillRect/>
+          </a:stretch>
+        </p:blipFill>
+        <p:spPr>
+          <a:xfrm>
+            <a:off x="76200" y="987552"/>
+            <a:ext cx="8915400" cy="5718048"/>
+          </a:xfrm>
+        </p:spPr>
+      </p:pic>
     </p:spTree>
   </p:cSld>
   <p:clrMapOvr>
@@ -8747,7 +8477,7 @@
       </p:sp>
       <p:pic>
         <p:nvPicPr>
-          <p:cNvPr id="4" name="Content Placeholder 3" descr="DaoPackage.png"/>
+          <p:cNvPr id="3" name="Content Placeholder 2"/>
           <p:cNvPicPr>
             <a:picLocks noGrp="1" noChangeAspect="1"/>
           </p:cNvPicPr>
@@ -8756,43 +8486,30 @@
           </p:nvPr>
         </p:nvPicPr>
         <p:blipFill>
-          <a:blip r:embed="rId2"/>
+          <a:blip r:embed="rId2">
+            <a:extLst>
+              <a:ext uri="{28A0092B-C50C-407E-A947-70E740481C1C}">
+                <a14:useLocalDpi xmlns:a14="http://schemas.microsoft.com/office/drawing/2010/main" val="0"/>
+              </a:ext>
+            </a:extLst>
+          </a:blip>
           <a:stretch>
             <a:fillRect/>
           </a:stretch>
         </p:blipFill>
         <p:spPr>
           <a:xfrm>
-            <a:off x="3581400" y="3124200"/>
-            <a:ext cx="5257800" cy="3313285"/>
-          </a:xfrm>
-        </p:spPr>
-      </p:pic>
-      <p:pic>
-        <p:nvPicPr>
-          <p:cNvPr id="5" name="Picture 4" descr="BeanPackage.png"/>
-          <p:cNvPicPr>
-            <a:picLocks noChangeAspect="1"/>
-          </p:cNvPicPr>
-          <p:nvPr/>
-        </p:nvPicPr>
-        <p:blipFill>
-          <a:blip r:embed="rId3"/>
-          <a:stretch>
-            <a:fillRect/>
-          </a:stretch>
-        </p:blipFill>
-        <p:spPr>
-          <a:xfrm>
-            <a:off x="228600" y="1371600"/>
-            <a:ext cx="3962400" cy="3257082"/>
-          </a:xfrm>
-          <a:prstGeom prst="rect">
-            <a:avLst/>
-          </a:prstGeom>
+            <a:off x="1520952" y="1524000"/>
+            <a:ext cx="6096000" cy="5127837"/>
+          </a:xfrm>
         </p:spPr>
       </p:pic>
     </p:spTree>
+    <p:extLst>
+      <p:ext uri="{BB962C8B-B14F-4D97-AF65-F5344CB8AC3E}">
+        <p14:creationId xmlns:p14="http://schemas.microsoft.com/office/powerpoint/2010/main" val="2734687751"/>
+      </p:ext>
+    </p:extLst>
   </p:cSld>
   <p:clrMapOvr>
     <a:masterClrMapping/>
